--- a/TA 2/Poster/Poster.pptx
+++ b/TA 2/Poster/Poster.pptx
@@ -7045,8 +7045,8 @@
         </p:nvSpPr>
         <p:spPr>
           <a:xfrm rot="16200000">
-            <a:off x="1605459" y="7128074"/>
-            <a:ext cx="1989076" cy="4579471"/>
+            <a:off x="1487716" y="7369642"/>
+            <a:ext cx="2224563" cy="4579471"/>
           </a:xfrm>
           <a:prstGeom prst="roundRect">
             <a:avLst/>
@@ -9293,29 +9293,7 @@
                 <a:ea typeface="Arial"/>
                 <a:cs typeface="Arial"/>
               </a:rPr>
-              <a:t>Klasifikasi retakan (</a:t>
-            </a:r>
-            <a:r>
-              <a:rPr lang="id-ID" sz="1200" i="1" dirty="0" err="1">
-                <a:solidFill>
-                  <a:schemeClr val="tx1"/>
-                </a:solidFill>
-                <a:latin typeface="Arial Rounded MT Bold" panose="020F0704030504030204" pitchFamily="34" charset="0"/>
-                <a:ea typeface="Arial"/>
-                <a:cs typeface="Arial"/>
-              </a:rPr>
-              <a:t>crack</a:t>
-            </a:r>
-            <a:r>
-              <a:rPr lang="id-ID" sz="1200" dirty="0">
-                <a:solidFill>
-                  <a:schemeClr val="tx1"/>
-                </a:solidFill>
-                <a:latin typeface="Arial Rounded MT Bold" panose="020F0704030504030204" pitchFamily="34" charset="0"/>
-                <a:ea typeface="Arial"/>
-                <a:cs typeface="Arial"/>
-              </a:rPr>
-              <a:t>) dengan pendekatan pengolahan citra digital (pengenalan pola) yang dapat mengategorikan suatu retakan masuk ke jenis ringan, sedang atau berat, menggunakan metode ekstraksi fitur GLCM serta klasifikasi SVM</a:t>
+              <a:t>Sistem yang dapat mengategorikan suatu retakan masuk ke jenis ringan, sedang atau berat, menggunakan pendekatan pengolahan citra digital</a:t>
             </a:r>
           </a:p>
           <a:p>
@@ -9345,8 +9323,8 @@
         </p:nvSpPr>
         <p:spPr>
           <a:xfrm rot="16200000">
-            <a:off x="1976924" y="7606655"/>
-            <a:ext cx="6099016" cy="61767"/>
+            <a:off x="1751897" y="7831682"/>
+            <a:ext cx="6549071" cy="61767"/>
           </a:xfrm>
           <a:prstGeom prst="parallelogram">
             <a:avLst>
@@ -12231,7 +12209,7 @@
         </p:nvGrpSpPr>
         <p:grpSpPr>
           <a:xfrm>
-            <a:off x="1654141" y="8026886"/>
+            <a:off x="1654141" y="8150711"/>
             <a:ext cx="1381435" cy="316800"/>
             <a:chOff x="3701574" y="3776590"/>
             <a:chExt cx="1381435" cy="316800"/>
@@ -12351,14 +12329,14 @@
           <p:nvPr>
             <p:extLst>
               <p:ext uri="{D42A27DB-BD31-4B8C-83A1-F6EECF244321}">
-                <p14:modId xmlns:p14="http://schemas.microsoft.com/office/powerpoint/2010/main" val="88830926"/>
+                <p14:modId xmlns:p14="http://schemas.microsoft.com/office/powerpoint/2010/main" val="3778149312"/>
               </p:ext>
             </p:extLst>
           </p:nvPr>
         </p:nvGraphicFramePr>
         <p:xfrm>
-          <a:off x="331759" y="8402518"/>
-          <a:ext cx="4510674" cy="2224564"/>
+          <a:off x="331759" y="8583493"/>
+          <a:ext cx="4510674" cy="2485170"/>
         </p:xfrm>
         <a:graphic>
           <a:graphicData uri="http://schemas.openxmlformats.org/drawingml/2006/chart">
@@ -12383,7 +12361,7 @@
         </p:nvCxnSpPr>
         <p:spPr>
           <a:xfrm flipH="1">
-            <a:off x="3035576" y="8185286"/>
+            <a:off x="3035576" y="8309111"/>
             <a:ext cx="1975543" cy="0"/>
           </a:xfrm>
           <a:prstGeom prst="straightConnector1">
@@ -13025,7 +13003,7 @@
         </p:nvGrpSpPr>
         <p:grpSpPr>
           <a:xfrm>
-            <a:off x="1641743" y="10514194"/>
+            <a:off x="1641743" y="10960762"/>
             <a:ext cx="1381435" cy="316800"/>
             <a:chOff x="3701574" y="3776590"/>
             <a:chExt cx="1381435" cy="316800"/>
@@ -13149,7 +13127,7 @@
         </p:nvCxnSpPr>
         <p:spPr>
           <a:xfrm flipH="1">
-            <a:off x="3023178" y="10672594"/>
+            <a:off x="3023178" y="11119162"/>
             <a:ext cx="1975543" cy="0"/>
           </a:xfrm>
           <a:prstGeom prst="straightConnector1">
@@ -13191,8 +13169,8 @@
         </p:nvSpPr>
         <p:spPr>
           <a:xfrm>
-            <a:off x="268388" y="10992238"/>
-            <a:ext cx="4768568" cy="1621638"/>
+            <a:off x="268388" y="11363774"/>
+            <a:ext cx="4768568" cy="1139038"/>
           </a:xfrm>
           <a:prstGeom prst="roundRect">
             <a:avLst/>
@@ -13256,7 +13234,7 @@
                 <a:latin typeface="Arial Rounded MT Bold" panose="020F0704030504030204" pitchFamily="34" charset="0"/>
                 <a:cs typeface="Arial"/>
               </a:rPr>
-              <a:t> dan presisi berturut-turut 90,24%, 90,24% dan 91,5%. </a:t>
+              <a:t> dan presisi berturut-turut 90,24%, 90,24% dan 91,5%.  </a:t>
             </a:r>
           </a:p>
           <a:p>
@@ -13272,7 +13250,7 @@
                 <a:latin typeface="Arial Rounded MT Bold" panose="020F0704030504030204" pitchFamily="34" charset="0"/>
                 <a:cs typeface="Arial"/>
               </a:rPr>
-              <a:t>Pada pengujian menggunakan data gempa Lombok untuk 2 kelas (Berat dan Ringan) didapatkan hasil rata-rata akurasi, </a:t>
+              <a:t>Pada pengujian menggunakan data gempa Lombok didapatkan hasil rata-rata akurasi, </a:t>
             </a:r>
             <a:r>
               <a:rPr lang="id-ID" sz="1000" i="1" dirty="0" err="1">
@@ -13292,43 +13270,7 @@
                 <a:latin typeface="Arial Rounded MT Bold" panose="020F0704030504030204" pitchFamily="34" charset="0"/>
                 <a:cs typeface="Arial"/>
               </a:rPr>
-              <a:t> dan presisi berturut-turut 94,44%, 94,44% dan 95%. </a:t>
-            </a:r>
-          </a:p>
-          <a:p>
-            <a:pPr marL="228600" indent="-228600" algn="just">
-              <a:buFont typeface="+mj-lt"/>
-              <a:buAutoNum type="arabicPeriod"/>
-            </a:pPr>
-            <a:r>
-              <a:rPr lang="id-ID" sz="1000" dirty="0">
-                <a:solidFill>
-                  <a:schemeClr val="tx1"/>
-                </a:solidFill>
-                <a:latin typeface="Arial Rounded MT Bold" panose="020F0704030504030204" pitchFamily="34" charset="0"/>
-                <a:cs typeface="Arial"/>
-              </a:rPr>
-              <a:t>Pada pengujian menggunakan data gempa Lombok untuk 3 kelas (Berat, Sedang dan Ringan) didapatkan hasil rata-rata akurasi, </a:t>
-            </a:r>
-            <a:r>
-              <a:rPr lang="id-ID" sz="1000" i="1" dirty="0" err="1">
-                <a:solidFill>
-                  <a:schemeClr val="tx1"/>
-                </a:solidFill>
-                <a:latin typeface="Arial Rounded MT Bold" panose="020F0704030504030204" pitchFamily="34" charset="0"/>
-                <a:cs typeface="Arial"/>
-              </a:rPr>
-              <a:t>recall</a:t>
-            </a:r>
-            <a:r>
-              <a:rPr lang="id-ID" sz="1000" dirty="0">
-                <a:solidFill>
-                  <a:schemeClr val="tx1"/>
-                </a:solidFill>
-                <a:latin typeface="Arial Rounded MT Bold" panose="020F0704030504030204" pitchFamily="34" charset="0"/>
-                <a:cs typeface="Arial"/>
-              </a:rPr>
-              <a:t> dan presisi berturut-turut 81,48%, 81,48% dan 88,09%</a:t>
+              <a:t> dan presisi berturut-turut untuk 2 kelas (Berat dan Ringan) adalah 94,44%, 94,44% dan 95% serta untuk 3 kelas (Berat, Sedang dan Ringan) adalah 81,48%, 81,48% dan 88,09%.</a:t>
             </a:r>
             <a:endParaRPr lang="en-US" sz="1000" dirty="0">
               <a:solidFill>
